--- a/Trabajo Memoria/Segundo Semestre/Experimentos GeoAudioWizard.pptx
+++ b/Trabajo Memoria/Segundo Semestre/Experimentos GeoAudioWizard.pptx
@@ -340,7 +340,7 @@
             <a:fld id="{182B7413-8AE8-45E1-8CFF-100C12989949}" type="datetimeFigureOut">
               <a:rPr lang="es-ES" smtClean="0"/>
               <a:pPr/>
-              <a:t>23/11/2016</a:t>
+              <a:t>13/12/2016</a:t>
             </a:fld>
             <a:endParaRPr lang="es-ES"/>
           </a:p>
@@ -430,7 +430,7 @@
     </p:spTree>
     <p:extLst>
       <p:ext uri="{BB962C8B-B14F-4D97-AF65-F5344CB8AC3E}">
-        <p14:creationId xmlns="" xmlns:p14="http://schemas.microsoft.com/office/powerpoint/2010/main" val="2241214028"/>
+        <p14:creationId xmlns:p14="http://schemas.microsoft.com/office/powerpoint/2010/main" xmlns="" val="2241214028"/>
       </p:ext>
     </p:extLst>
   </p:cSld>
@@ -550,7 +550,7 @@
             <a:fld id="{182B7413-8AE8-45E1-8CFF-100C12989949}" type="datetimeFigureOut">
               <a:rPr lang="es-ES" smtClean="0"/>
               <a:pPr/>
-              <a:t>23/11/2016</a:t>
+              <a:t>13/12/2016</a:t>
             </a:fld>
             <a:endParaRPr lang="es-ES"/>
           </a:p>
@@ -602,7 +602,7 @@
     </p:spTree>
     <p:extLst>
       <p:ext uri="{BB962C8B-B14F-4D97-AF65-F5344CB8AC3E}">
-        <p14:creationId xmlns="" xmlns:p14="http://schemas.microsoft.com/office/powerpoint/2010/main" val="2064758944"/>
+        <p14:creationId xmlns:p14="http://schemas.microsoft.com/office/powerpoint/2010/main" xmlns="" val="2064758944"/>
       </p:ext>
     </p:extLst>
   </p:cSld>
@@ -808,7 +808,7 @@
             <a:fld id="{182B7413-8AE8-45E1-8CFF-100C12989949}" type="datetimeFigureOut">
               <a:rPr lang="es-ES" smtClean="0"/>
               <a:pPr/>
-              <a:t>23/11/2016</a:t>
+              <a:t>13/12/2016</a:t>
             </a:fld>
             <a:endParaRPr lang="es-ES"/>
           </a:p>
@@ -860,7 +860,7 @@
     </p:spTree>
     <p:extLst>
       <p:ext uri="{BB962C8B-B14F-4D97-AF65-F5344CB8AC3E}">
-        <p14:creationId xmlns="" xmlns:p14="http://schemas.microsoft.com/office/powerpoint/2010/main" val="1062285278"/>
+        <p14:creationId xmlns:p14="http://schemas.microsoft.com/office/powerpoint/2010/main" xmlns="" val="1062285278"/>
       </p:ext>
     </p:extLst>
   </p:cSld>
@@ -984,7 +984,7 @@
             <a:fld id="{182B7413-8AE8-45E1-8CFF-100C12989949}" type="datetimeFigureOut">
               <a:rPr lang="es-ES" smtClean="0"/>
               <a:pPr/>
-              <a:t>23/11/2016</a:t>
+              <a:t>13/12/2016</a:t>
             </a:fld>
             <a:endParaRPr lang="es-ES"/>
           </a:p>
@@ -1036,7 +1036,7 @@
     </p:spTree>
     <p:extLst>
       <p:ext uri="{BB962C8B-B14F-4D97-AF65-F5344CB8AC3E}">
-        <p14:creationId xmlns="" xmlns:p14="http://schemas.microsoft.com/office/powerpoint/2010/main" val="3521134445"/>
+        <p14:creationId xmlns:p14="http://schemas.microsoft.com/office/powerpoint/2010/main" xmlns="" val="3521134445"/>
       </p:ext>
     </p:extLst>
   </p:cSld>
@@ -1329,7 +1329,7 @@
             <a:fld id="{182B7413-8AE8-45E1-8CFF-100C12989949}" type="datetimeFigureOut">
               <a:rPr lang="es-ES" smtClean="0"/>
               <a:pPr/>
-              <a:t>23/11/2016</a:t>
+              <a:t>13/12/2016</a:t>
             </a:fld>
             <a:endParaRPr lang="es-ES"/>
           </a:p>
@@ -1419,7 +1419,7 @@
     </p:spTree>
     <p:extLst>
       <p:ext uri="{BB962C8B-B14F-4D97-AF65-F5344CB8AC3E}">
-        <p14:creationId xmlns="" xmlns:p14="http://schemas.microsoft.com/office/powerpoint/2010/main" val="1118504186"/>
+        <p14:creationId xmlns:p14="http://schemas.microsoft.com/office/powerpoint/2010/main" xmlns="" val="1118504186"/>
       </p:ext>
     </p:extLst>
   </p:cSld>
@@ -1606,7 +1606,7 @@
             <a:fld id="{182B7413-8AE8-45E1-8CFF-100C12989949}" type="datetimeFigureOut">
               <a:rPr lang="es-ES" smtClean="0"/>
               <a:pPr/>
-              <a:t>23/11/2016</a:t>
+              <a:t>13/12/2016</a:t>
             </a:fld>
             <a:endParaRPr lang="es-ES"/>
           </a:p>
@@ -1658,7 +1658,7 @@
     </p:spTree>
     <p:extLst>
       <p:ext uri="{BB962C8B-B14F-4D97-AF65-F5344CB8AC3E}">
-        <p14:creationId xmlns="" xmlns:p14="http://schemas.microsoft.com/office/powerpoint/2010/main" val="3941398813"/>
+        <p14:creationId xmlns:p14="http://schemas.microsoft.com/office/powerpoint/2010/main" xmlns="" val="3941398813"/>
       </p:ext>
     </p:extLst>
   </p:cSld>
@@ -1987,7 +1987,7 @@
             <a:fld id="{182B7413-8AE8-45E1-8CFF-100C12989949}" type="datetimeFigureOut">
               <a:rPr lang="es-ES" smtClean="0"/>
               <a:pPr/>
-              <a:t>23/11/2016</a:t>
+              <a:t>13/12/2016</a:t>
             </a:fld>
             <a:endParaRPr lang="es-ES"/>
           </a:p>
@@ -2039,7 +2039,7 @@
     </p:spTree>
     <p:extLst>
       <p:ext uri="{BB962C8B-B14F-4D97-AF65-F5344CB8AC3E}">
-        <p14:creationId xmlns="" xmlns:p14="http://schemas.microsoft.com/office/powerpoint/2010/main" val="1148057734"/>
+        <p14:creationId xmlns:p14="http://schemas.microsoft.com/office/powerpoint/2010/main" xmlns="" val="1148057734"/>
       </p:ext>
     </p:extLst>
   </p:cSld>
@@ -2107,7 +2107,7 @@
             <a:fld id="{182B7413-8AE8-45E1-8CFF-100C12989949}" type="datetimeFigureOut">
               <a:rPr lang="es-ES" smtClean="0"/>
               <a:pPr/>
-              <a:t>23/11/2016</a:t>
+              <a:t>13/12/2016</a:t>
             </a:fld>
             <a:endParaRPr lang="es-ES"/>
           </a:p>
@@ -2159,7 +2159,7 @@
     </p:spTree>
     <p:extLst>
       <p:ext uri="{BB962C8B-B14F-4D97-AF65-F5344CB8AC3E}">
-        <p14:creationId xmlns="" xmlns:p14="http://schemas.microsoft.com/office/powerpoint/2010/main" val="4176955701"/>
+        <p14:creationId xmlns:p14="http://schemas.microsoft.com/office/powerpoint/2010/main" xmlns="" val="4176955701"/>
       </p:ext>
     </p:extLst>
   </p:cSld>
@@ -2280,7 +2280,7 @@
             <a:fld id="{182B7413-8AE8-45E1-8CFF-100C12989949}" type="datetimeFigureOut">
               <a:rPr lang="es-ES" smtClean="0"/>
               <a:pPr/>
-              <a:t>23/11/2016</a:t>
+              <a:t>13/12/2016</a:t>
             </a:fld>
             <a:endParaRPr lang="es-ES"/>
           </a:p>
@@ -2340,7 +2340,7 @@
     </p:spTree>
     <p:extLst>
       <p:ext uri="{BB962C8B-B14F-4D97-AF65-F5344CB8AC3E}">
-        <p14:creationId xmlns="" xmlns:p14="http://schemas.microsoft.com/office/powerpoint/2010/main" val="1107152622"/>
+        <p14:creationId xmlns:p14="http://schemas.microsoft.com/office/powerpoint/2010/main" xmlns="" val="1107152622"/>
       </p:ext>
     </p:extLst>
   </p:cSld>
@@ -2636,7 +2636,7 @@
             <a:fld id="{182B7413-8AE8-45E1-8CFF-100C12989949}" type="datetimeFigureOut">
               <a:rPr lang="es-ES" smtClean="0"/>
               <a:pPr/>
-              <a:t>23/11/2016</a:t>
+              <a:t>13/12/2016</a:t>
             </a:fld>
             <a:endParaRPr lang="es-ES"/>
           </a:p>
@@ -2709,7 +2709,7 @@
     </p:spTree>
     <p:extLst>
       <p:ext uri="{BB962C8B-B14F-4D97-AF65-F5344CB8AC3E}">
-        <p14:creationId xmlns="" xmlns:p14="http://schemas.microsoft.com/office/powerpoint/2010/main" val="4213431555"/>
+        <p14:creationId xmlns:p14="http://schemas.microsoft.com/office/powerpoint/2010/main" xmlns="" val="4213431555"/>
       </p:ext>
     </p:extLst>
   </p:cSld>
@@ -3020,7 +3020,7 @@
             <a:fld id="{182B7413-8AE8-45E1-8CFF-100C12989949}" type="datetimeFigureOut">
               <a:rPr lang="es-ES" smtClean="0"/>
               <a:pPr/>
-              <a:t>23/11/2016</a:t>
+              <a:t>13/12/2016</a:t>
             </a:fld>
             <a:endParaRPr lang="es-ES"/>
           </a:p>
@@ -3072,7 +3072,7 @@
     </p:spTree>
     <p:extLst>
       <p:ext uri="{BB962C8B-B14F-4D97-AF65-F5344CB8AC3E}">
-        <p14:creationId xmlns="" xmlns:p14="http://schemas.microsoft.com/office/powerpoint/2010/main" val="2392283527"/>
+        <p14:creationId xmlns:p14="http://schemas.microsoft.com/office/powerpoint/2010/main" xmlns="" val="2392283527"/>
       </p:ext>
     </p:extLst>
   </p:cSld>
@@ -3309,7 +3309,7 @@
             <a:fld id="{182B7413-8AE8-45E1-8CFF-100C12989949}" type="datetimeFigureOut">
               <a:rPr lang="es-ES" smtClean="0"/>
               <a:pPr/>
-              <a:t>23/11/2016</a:t>
+              <a:t>13/12/2016</a:t>
             </a:fld>
             <a:endParaRPr lang="es-ES"/>
           </a:p>
@@ -3431,7 +3431,7 @@
     </p:spTree>
     <p:extLst>
       <p:ext uri="{BB962C8B-B14F-4D97-AF65-F5344CB8AC3E}">
-        <p14:creationId xmlns="" xmlns:p14="http://schemas.microsoft.com/office/powerpoint/2010/main" val="3560788678"/>
+        <p14:creationId xmlns:p14="http://schemas.microsoft.com/office/powerpoint/2010/main" xmlns="" val="3560788678"/>
       </p:ext>
     </p:extLst>
   </p:cSld>
@@ -3897,7 +3897,7 @@
     </p:spTree>
     <p:extLst>
       <p:ext uri="{BB962C8B-B14F-4D97-AF65-F5344CB8AC3E}">
-        <p14:creationId xmlns="" xmlns:p14="http://schemas.microsoft.com/office/powerpoint/2010/main" val="3859064307"/>
+        <p14:creationId xmlns:p14="http://schemas.microsoft.com/office/powerpoint/2010/main" xmlns="" val="3859064307"/>
       </p:ext>
     </p:extLst>
   </p:cSld>
@@ -3995,7 +3995,7 @@
     </p:spTree>
     <p:extLst>
       <p:ext uri="{BB962C8B-B14F-4D97-AF65-F5344CB8AC3E}">
-        <p14:creationId xmlns="" xmlns:p14="http://schemas.microsoft.com/office/powerpoint/2010/main" val="3752522810"/>
+        <p14:creationId xmlns:p14="http://schemas.microsoft.com/office/powerpoint/2010/main" xmlns="" val="3752522810"/>
       </p:ext>
     </p:extLst>
   </p:cSld>
@@ -4094,7 +4094,7 @@
     </p:spTree>
     <p:extLst>
       <p:ext uri="{BB962C8B-B14F-4D97-AF65-F5344CB8AC3E}">
-        <p14:creationId xmlns="" xmlns:p14="http://schemas.microsoft.com/office/powerpoint/2010/main" val="3752522810"/>
+        <p14:creationId xmlns:p14="http://schemas.microsoft.com/office/powerpoint/2010/main" xmlns="" val="3752522810"/>
       </p:ext>
     </p:extLst>
   </p:cSld>
@@ -4138,7 +4138,11 @@
           <a:p>
             <a:r>
               <a:rPr lang="es-ES" dirty="0" smtClean="0"/>
-              <a:t>Semana 3</a:t>
+              <a:t>Semana </a:t>
+            </a:r>
+            <a:r>
+              <a:rPr lang="es-ES" dirty="0" smtClean="0"/>
+              <a:t>2</a:t>
             </a:r>
             <a:endParaRPr lang="es-ES" dirty="0"/>
           </a:p>
@@ -4191,7 +4195,7 @@
     </p:spTree>
     <p:extLst>
       <p:ext uri="{BB962C8B-B14F-4D97-AF65-F5344CB8AC3E}">
-        <p14:creationId xmlns="" xmlns:p14="http://schemas.microsoft.com/office/powerpoint/2010/main" val="3752522810"/>
+        <p14:creationId xmlns:p14="http://schemas.microsoft.com/office/powerpoint/2010/main" xmlns="" val="3752522810"/>
       </p:ext>
     </p:extLst>
   </p:cSld>
@@ -4235,7 +4239,11 @@
           <a:p>
             <a:r>
               <a:rPr lang="es-ES" dirty="0" smtClean="0"/>
-              <a:t>Semana 4</a:t>
+              <a:t>Semana </a:t>
+            </a:r>
+            <a:r>
+              <a:rPr lang="es-ES" dirty="0" smtClean="0"/>
+              <a:t>3</a:t>
             </a:r>
             <a:endParaRPr lang="es-ES" dirty="0"/>
           </a:p>
@@ -4288,7 +4296,7 @@
     </p:spTree>
     <p:extLst>
       <p:ext uri="{BB962C8B-B14F-4D97-AF65-F5344CB8AC3E}">
-        <p14:creationId xmlns="" xmlns:p14="http://schemas.microsoft.com/office/powerpoint/2010/main" val="3752522810"/>
+        <p14:creationId xmlns:p14="http://schemas.microsoft.com/office/powerpoint/2010/main" xmlns="" val="3752522810"/>
       </p:ext>
     </p:extLst>
   </p:cSld>
@@ -4332,7 +4340,11 @@
           <a:p>
             <a:r>
               <a:rPr lang="es-ES" dirty="0" smtClean="0"/>
-              <a:t>Semana 5</a:t>
+              <a:t>Semana </a:t>
+            </a:r>
+            <a:r>
+              <a:rPr lang="es-ES" dirty="0" smtClean="0"/>
+              <a:t>4</a:t>
             </a:r>
             <a:endParaRPr lang="es-ES" dirty="0"/>
           </a:p>
@@ -4391,7 +4403,7 @@
     </p:spTree>
     <p:extLst>
       <p:ext uri="{BB962C8B-B14F-4D97-AF65-F5344CB8AC3E}">
-        <p14:creationId xmlns="" xmlns:p14="http://schemas.microsoft.com/office/powerpoint/2010/main" val="3752522810"/>
+        <p14:creationId xmlns:p14="http://schemas.microsoft.com/office/powerpoint/2010/main" xmlns="" val="3752522810"/>
       </p:ext>
     </p:extLst>
   </p:cSld>
@@ -4435,7 +4447,11 @@
           <a:p>
             <a:r>
               <a:rPr lang="es-ES" dirty="0" smtClean="0"/>
-              <a:t>Semana 6</a:t>
+              <a:t>Semana </a:t>
+            </a:r>
+            <a:r>
+              <a:rPr lang="es-ES" dirty="0" smtClean="0"/>
+              <a:t>5</a:t>
             </a:r>
             <a:endParaRPr lang="es-ES" dirty="0"/>
           </a:p>
@@ -4505,7 +4521,7 @@
     </p:spTree>
     <p:extLst>
       <p:ext uri="{BB962C8B-B14F-4D97-AF65-F5344CB8AC3E}">
-        <p14:creationId xmlns="" xmlns:p14="http://schemas.microsoft.com/office/powerpoint/2010/main" val="3752522810"/>
+        <p14:creationId xmlns:p14="http://schemas.microsoft.com/office/powerpoint/2010/main" xmlns="" val="3752522810"/>
       </p:ext>
     </p:extLst>
   </p:cSld>
@@ -4792,7 +4808,7 @@
   <a:extraClrSchemeLst/>
   <a:extLst>
     <a:ext uri="{05A4C25C-085E-4340-85A3-A5531E510DB2}">
-      <thm15:themeFamily xmlns="" xmlns:thm15="http://schemas.microsoft.com/office/thememl/2012/main" name="Retrospect" id="{5F128B03-DCCA-4EEB-AB3B-CF2899314A46}" vid="{3F1AAB62-24C6-49D2-8E01-B56FAC9A3DCD}"/>
+      <thm15:themeFamily xmlns:thm15="http://schemas.microsoft.com/office/thememl/2012/main" xmlns="" name="Retrospect" id="{5F128B03-DCCA-4EEB-AB3B-CF2899314A46}" vid="{3F1AAB62-24C6-49D2-8E01-B56FAC9A3DCD}"/>
     </a:ext>
   </a:extLst>
 </a:theme>
